--- a/Calendario2021/Presentaciones/6_ACLs.pptx
+++ b/Calendario2021/Presentaciones/6_ACLs.pptx
@@ -5,7 +5,7 @@
     <p:sldMasterId id="2147483648" r:id="rId1"/>
   </p:sldMasterIdLst>
   <p:notesMasterIdLst>
-    <p:notesMasterId r:id="rId16"/>
+    <p:notesMasterId r:id="rId17"/>
   </p:notesMasterIdLst>
   <p:sldIdLst>
     <p:sldId id="257" r:id="rId2"/>
@@ -21,7 +21,8 @@
     <p:sldId id="266" r:id="rId12"/>
     <p:sldId id="267" r:id="rId13"/>
     <p:sldId id="268" r:id="rId14"/>
-    <p:sldId id="269" r:id="rId15"/>
+    <p:sldId id="324" r:id="rId15"/>
+    <p:sldId id="269" r:id="rId16"/>
   </p:sldIdLst>
   <p:sldSz cx="9144000" cy="6858000" type="screen4x3"/>
   <p:notesSz cx="6858000" cy="9144000"/>
@@ -763,6 +764,57 @@
 </file>
 
 <file path=ppt/notesSlides/notesSlide14.xml><?xml version="1.0" encoding="utf-8"?>
+<p:notes xmlns:a="http://schemas.openxmlformats.org/drawingml/2006/main" xmlns:r="http://schemas.openxmlformats.org/officeDocument/2006/relationships" xmlns:p="http://schemas.openxmlformats.org/presentationml/2006/main">
+  <p:cSld>
+    <p:spTree>
+      <p:nvGrpSpPr>
+        <p:cNvPr id="1" name=""/>
+        <p:cNvGrpSpPr/>
+        <p:nvPr/>
+      </p:nvGrpSpPr>
+      <p:grpSpPr>
+        <a:xfrm>
+          <a:off x="0" y="0"/>
+          <a:ext cx="0" cy="0"/>
+          <a:chOff x="0" y="0"/>
+          <a:chExt cx="0" cy="0"/>
+        </a:xfrm>
+      </p:grpSpPr>
+      <p:sp>
+        <p:nvSpPr>
+          <p:cNvPr id="2" name="Notes Placeholder"/>
+          <p:cNvSpPr>
+            <a:spLocks noGrp="1"/>
+          </p:cNvSpPr>
+          <p:nvPr>
+            <p:ph type="body" idx="1"/>
+          </p:nvPr>
+        </p:nvSpPr>
+        <p:spPr/>
+        <p:txBody>
+          <a:bodyPr>
+            <a:normAutofit/>
+          </a:bodyPr>
+          <a:lstStyle/>
+          <a:p>
+            <a:endParaRPr dirty="0"/>
+          </a:p>
+        </p:txBody>
+      </p:sp>
+    </p:spTree>
+    <p:extLst>
+      <p:ext uri="{BB962C8B-B14F-4D97-AF65-F5344CB8AC3E}">
+        <p14:creationId xmlns:p14="http://schemas.microsoft.com/office/powerpoint/2010/main" val="3775140461"/>
+      </p:ext>
+    </p:extLst>
+  </p:cSld>
+  <p:clrMapOvr>
+    <a:masterClrMapping/>
+  </p:clrMapOvr>
+</p:notes>
+</file>
+
+<file path=ppt/notesSlides/notesSlide15.xml><?xml version="1.0" encoding="utf-8"?>
 <p:notes xmlns:a="http://schemas.openxmlformats.org/drawingml/2006/main" xmlns:r="http://schemas.openxmlformats.org/officeDocument/2006/relationships" xmlns:p="http://schemas.openxmlformats.org/presentationml/2006/main">
   <p:cSld>
     <p:spTree>
@@ -7901,7 +7953,7 @@
               </a:rPr>
               <a:t>ldcard</a:t>
             </a:r>
-            <a:endParaRPr sz="1950">
+            <a:endParaRPr sz="1950" dirty="0">
               <a:latin typeface="Arial Narrow"/>
               <a:cs typeface="Arial Narrow"/>
             </a:endParaRPr>
@@ -7972,7 +8024,7 @@
               </a:rPr>
               <a:t>int_número</a:t>
             </a:r>
-            <a:endParaRPr sz="2100">
+            <a:endParaRPr sz="2100" dirty="0">
               <a:latin typeface="Arial Narrow"/>
               <a:cs typeface="Arial Narrow"/>
             </a:endParaRPr>
@@ -8076,7 +8128,7 @@
               </a:rPr>
               <a:t>out}</a:t>
             </a:r>
-            <a:endParaRPr sz="2100">
+            <a:endParaRPr sz="2100" dirty="0">
               <a:latin typeface="Arial Narrow"/>
               <a:cs typeface="Arial Narrow"/>
             </a:endParaRPr>
@@ -8391,6 +8443,322 @@
 </file>
 
 <file path=ppt/slides/slide14.xml><?xml version="1.0" encoding="utf-8"?>
+<p:sld xmlns:a="http://schemas.openxmlformats.org/drawingml/2006/main" xmlns:r="http://schemas.openxmlformats.org/officeDocument/2006/relationships" xmlns:p="http://schemas.openxmlformats.org/presentationml/2006/main">
+  <p:cSld>
+    <p:spTree>
+      <p:nvGrpSpPr>
+        <p:cNvPr id="1" name=""/>
+        <p:cNvGrpSpPr/>
+        <p:nvPr/>
+      </p:nvGrpSpPr>
+      <p:grpSpPr>
+        <a:xfrm>
+          <a:off x="0" y="0"/>
+          <a:ext cx="0" cy="0"/>
+          <a:chOff x="0" y="0"/>
+          <a:chExt cx="0" cy="0"/>
+        </a:xfrm>
+      </p:grpSpPr>
+      <p:sp>
+        <p:nvSpPr>
+          <p:cNvPr id="3" name="object 3"/>
+          <p:cNvSpPr txBox="1"/>
+          <p:nvPr/>
+        </p:nvSpPr>
+        <p:spPr>
+          <a:xfrm>
+            <a:off x="899592" y="1844824"/>
+            <a:ext cx="7704856" cy="4004301"/>
+          </a:xfrm>
+          <a:prstGeom prst="rect">
+            <a:avLst/>
+          </a:prstGeom>
+        </p:spPr>
+        <p:txBody>
+          <a:bodyPr vert="horz" wrap="square" lIns="0" tIns="0" rIns="0" bIns="0" rtlCol="0">
+            <a:spAutoFit/>
+          </a:bodyPr>
+          <a:lstStyle/>
+          <a:p>
+            <a:pPr marL="123825" marR="3810" algn="just">
+              <a:lnSpc>
+                <a:spcPct val="150000"/>
+              </a:lnSpc>
+            </a:pPr>
+            <a:r>
+              <a:rPr lang="es-ES" spc="-4" dirty="0">
+                <a:cs typeface="Arial Narrow"/>
+              </a:rPr>
+              <a:t>1. Identificar la fuente/origen (</a:t>
+            </a:r>
+            <a:r>
+              <a:rPr lang="es-ES" b="1" spc="-4" dirty="0">
+                <a:cs typeface="Arial Narrow"/>
+              </a:rPr>
+              <a:t>tráfico fuente</a:t>
+            </a:r>
+            <a:r>
+              <a:rPr lang="es-ES" spc="-4" dirty="0">
+                <a:cs typeface="Arial Narrow"/>
+              </a:rPr>
+              <a:t>)</a:t>
+            </a:r>
+          </a:p>
+          <a:p>
+            <a:pPr marL="123825" marR="3810" algn="just">
+              <a:lnSpc>
+                <a:spcPct val="150000"/>
+              </a:lnSpc>
+            </a:pPr>
+            <a:r>
+              <a:rPr lang="es-ES" spc="-4" dirty="0">
+                <a:cs typeface="Arial Narrow"/>
+              </a:rPr>
+              <a:t>2. Trazar el </a:t>
+            </a:r>
+            <a:r>
+              <a:rPr lang="es-ES" b="1" spc="-4" dirty="0">
+                <a:cs typeface="Arial Narrow"/>
+              </a:rPr>
+              <a:t>trayecto</a:t>
+            </a:r>
+            <a:r>
+              <a:rPr lang="es-ES" spc="-4" dirty="0">
+                <a:cs typeface="Arial Narrow"/>
+              </a:rPr>
+              <a:t> del </a:t>
+            </a:r>
+            <a:r>
+              <a:rPr lang="es-ES" b="1" spc="-4" dirty="0">
+                <a:cs typeface="Arial Narrow"/>
+              </a:rPr>
+              <a:t>tráfico NO permitido</a:t>
+            </a:r>
+            <a:r>
+              <a:rPr lang="es-ES" spc="-4" dirty="0">
+                <a:cs typeface="Arial Narrow"/>
+              </a:rPr>
+              <a:t>. </a:t>
+            </a:r>
+          </a:p>
+          <a:p>
+            <a:pPr marL="123825" marR="3810" algn="just">
+              <a:lnSpc>
+                <a:spcPct val="150000"/>
+              </a:lnSpc>
+            </a:pPr>
+            <a:r>
+              <a:rPr lang="es-ES" spc="-4" dirty="0">
+                <a:cs typeface="Arial Narrow"/>
+              </a:rPr>
+              <a:t>3. Trazar el </a:t>
+            </a:r>
+            <a:r>
+              <a:rPr lang="es-ES" b="1" spc="-4" dirty="0">
+                <a:cs typeface="Arial Narrow"/>
+              </a:rPr>
+              <a:t>trayecto </a:t>
+            </a:r>
+            <a:r>
+              <a:rPr lang="es-ES" spc="-4" dirty="0">
+                <a:cs typeface="Arial Narrow"/>
+              </a:rPr>
+              <a:t>del </a:t>
+            </a:r>
+            <a:r>
+              <a:rPr lang="es-ES" b="1" spc="-4" dirty="0">
+                <a:cs typeface="Arial Narrow"/>
+              </a:rPr>
+              <a:t>tráfico permitido</a:t>
+            </a:r>
+            <a:r>
+              <a:rPr lang="es-ES" spc="-4" dirty="0">
+                <a:cs typeface="Arial Narrow"/>
+              </a:rPr>
+              <a:t>. </a:t>
+            </a:r>
+          </a:p>
+          <a:p>
+            <a:pPr marL="123825" marR="3810" algn="just">
+              <a:lnSpc>
+                <a:spcPct val="150000"/>
+              </a:lnSpc>
+            </a:pPr>
+            <a:r>
+              <a:rPr lang="es-ES" spc="-4" dirty="0">
+                <a:cs typeface="Arial Narrow"/>
+              </a:rPr>
+              <a:t>4. Identificar el </a:t>
+            </a:r>
+            <a:r>
+              <a:rPr lang="es-ES" b="1" spc="-4" dirty="0" err="1">
+                <a:cs typeface="Arial Narrow"/>
+              </a:rPr>
+              <a:t>router</a:t>
+            </a:r>
+            <a:r>
+              <a:rPr lang="es-ES" spc="-4" dirty="0">
+                <a:cs typeface="Arial Narrow"/>
+              </a:rPr>
+              <a:t> donde se instalará la lista de control de acceso.</a:t>
+            </a:r>
+          </a:p>
+          <a:p>
+            <a:pPr marL="123825" marR="3810" algn="just">
+              <a:lnSpc>
+                <a:spcPct val="150000"/>
+              </a:lnSpc>
+            </a:pPr>
+            <a:r>
+              <a:rPr lang="es-ES" spc="-4" dirty="0">
+                <a:cs typeface="Arial Narrow"/>
+              </a:rPr>
+              <a:t>5. Identificar la </a:t>
+            </a:r>
+            <a:r>
+              <a:rPr lang="es-ES" b="1" spc="-4" dirty="0">
+                <a:cs typeface="Arial Narrow"/>
+              </a:rPr>
+              <a:t>interfaz</a:t>
+            </a:r>
+            <a:r>
+              <a:rPr lang="es-ES" spc="-4" dirty="0">
+                <a:cs typeface="Arial Narrow"/>
+              </a:rPr>
+              <a:t> donde se va a asociar la lista de control de acceso.</a:t>
+            </a:r>
+          </a:p>
+          <a:p>
+            <a:pPr marL="123825" marR="3810" algn="just">
+              <a:lnSpc>
+                <a:spcPct val="150000"/>
+              </a:lnSpc>
+              <a:spcAft>
+                <a:spcPts val="1200"/>
+              </a:spcAft>
+            </a:pPr>
+            <a:r>
+              <a:rPr lang="es-ES" spc="-4" dirty="0">
+                <a:cs typeface="Arial Narrow"/>
+              </a:rPr>
+              <a:t>6. Escribir la ACL, instalarla y probarla.</a:t>
+            </a:r>
+          </a:p>
+          <a:p>
+            <a:pPr marL="123825" marR="3810" algn="just">
+              <a:lnSpc>
+                <a:spcPct val="150000"/>
+              </a:lnSpc>
+              <a:spcAft>
+                <a:spcPts val="1200"/>
+              </a:spcAft>
+            </a:pPr>
+            <a:r>
+              <a:rPr lang="es-ES" b="1" spc="-4" dirty="0">
+                <a:cs typeface="Arial Narrow"/>
+              </a:rPr>
+              <a:t>NOTA: </a:t>
+            </a:r>
+            <a:r>
+              <a:rPr lang="es-ES" spc="-4" dirty="0">
+                <a:cs typeface="Arial Narrow"/>
+              </a:rPr>
+              <a:t>Realizar pruebas de conectividad antes y después de instalar una ACL</a:t>
+            </a:r>
+          </a:p>
+          <a:p>
+            <a:pPr marL="123825" marR="3810" algn="just">
+              <a:lnSpc>
+                <a:spcPct val="150000"/>
+              </a:lnSpc>
+            </a:pPr>
+            <a:r>
+              <a:rPr lang="es-ES" b="1" spc="-4" dirty="0">
+                <a:solidFill>
+                  <a:schemeClr val="accent6">
+                    <a:lumMod val="75000"/>
+                  </a:schemeClr>
+                </a:solidFill>
+                <a:cs typeface="Arial Narrow"/>
+              </a:rPr>
+              <a:t>REGLA: LAS LISTAS DE CONTROL DE ACCESO ESTÁNDAR SE DEBEN INSTALAR LO MAS CERCA DEL DESTINO.</a:t>
+            </a:r>
+          </a:p>
+        </p:txBody>
+      </p:sp>
+      <p:sp>
+        <p:nvSpPr>
+          <p:cNvPr id="8" name="object 2">
+            <a:extLst>
+              <a:ext uri="{FF2B5EF4-FFF2-40B4-BE49-F238E27FC236}">
+                <a16:creationId xmlns:a16="http://schemas.microsoft.com/office/drawing/2014/main" id="{257E321D-AB3B-4F6E-89EC-D5AD1090E97F}"/>
+              </a:ext>
+            </a:extLst>
+          </p:cNvPr>
+          <p:cNvSpPr txBox="1">
+            <a:spLocks/>
+          </p:cNvSpPr>
+          <p:nvPr/>
+        </p:nvSpPr>
+        <p:spPr>
+          <a:xfrm>
+            <a:off x="647564" y="404664"/>
+            <a:ext cx="7848872" cy="984885"/>
+          </a:xfrm>
+          <a:prstGeom prst="rect">
+            <a:avLst/>
+          </a:prstGeom>
+        </p:spPr>
+        <p:txBody>
+          <a:bodyPr vert="horz" wrap="square" lIns="0" tIns="0" rIns="0" bIns="0" rtlCol="0" anchor="ctr">
+            <a:spAutoFit/>
+          </a:bodyPr>
+          <a:lstStyle>
+            <a:lvl1pPr algn="ctr" defTabSz="914400" rtl="0" eaLnBrk="1" latinLnBrk="0" hangingPunct="1">
+              <a:spcBef>
+                <a:spcPct val="0"/>
+              </a:spcBef>
+              <a:buNone/>
+              <a:defRPr sz="2700" b="1" i="0" kern="1200">
+                <a:solidFill>
+                  <a:schemeClr val="bg1"/>
+                </a:solidFill>
+                <a:latin typeface="Arial Narrow"/>
+                <a:ea typeface="+mj-ea"/>
+                <a:cs typeface="Arial Narrow"/>
+              </a:defRPr>
+            </a:lvl1pPr>
+          </a:lstStyle>
+          <a:p>
+            <a:pPr marL="92075"/>
+            <a:r>
+              <a:rPr lang="es-MX" sz="3200" spc="-15" dirty="0">
+                <a:solidFill>
+                  <a:schemeClr val="accent4">
+                    <a:lumMod val="50000"/>
+                  </a:schemeClr>
+                </a:solidFill>
+                <a:latin typeface="Dom Casual"/>
+              </a:rPr>
+              <a:t>Mejores prácticas para el diseño de listas de control de acceso “Estándar”</a:t>
+            </a:r>
+          </a:p>
+        </p:txBody>
+      </p:sp>
+    </p:spTree>
+    <p:extLst>
+      <p:ext uri="{BB962C8B-B14F-4D97-AF65-F5344CB8AC3E}">
+        <p14:creationId xmlns:p14="http://schemas.microsoft.com/office/powerpoint/2010/main" val="3280680632"/>
+      </p:ext>
+    </p:extLst>
+  </p:cSld>
+  <p:clrMapOvr>
+    <a:masterClrMapping/>
+  </p:clrMapOvr>
+</p:sld>
+</file>
+
+<file path=ppt/slides/slide15.xml><?xml version="1.0" encoding="utf-8"?>
 <p:sld xmlns:a="http://schemas.openxmlformats.org/drawingml/2006/main" xmlns:r="http://schemas.openxmlformats.org/officeDocument/2006/relationships" xmlns:p="http://schemas.openxmlformats.org/presentationml/2006/main">
   <p:cSld>
     <p:spTree>
@@ -9657,6 +10025,248 @@
               </a:rPr>
               <a:t>Comandos para crear listas de control de acceso extendidas</a:t>
             </a:r>
+          </a:p>
+        </p:txBody>
+      </p:sp>
+      <p:sp>
+        <p:nvSpPr>
+          <p:cNvPr id="4" name="Rectángulo 3">
+            <a:extLst>
+              <a:ext uri="{FF2B5EF4-FFF2-40B4-BE49-F238E27FC236}">
+                <a16:creationId xmlns:a16="http://schemas.microsoft.com/office/drawing/2014/main" id="{54CED8F8-4EC1-4963-B4E6-846D049D1E30}"/>
+              </a:ext>
+            </a:extLst>
+          </p:cNvPr>
+          <p:cNvSpPr/>
+          <p:nvPr/>
+        </p:nvSpPr>
+        <p:spPr>
+          <a:xfrm>
+            <a:off x="2606269" y="3244334"/>
+            <a:ext cx="3931461" cy="369332"/>
+          </a:xfrm>
+          <a:prstGeom prst="rect">
+            <a:avLst/>
+          </a:prstGeom>
+        </p:spPr>
+        <p:txBody>
+          <a:bodyPr wrap="none">
+            <a:spAutoFit/>
+          </a:bodyPr>
+          <a:lstStyle/>
+          <a:p>
+            <a:r>
+              <a:rPr lang="es-MX" b="1" spc="-11" dirty="0" err="1">
+                <a:latin typeface="Arial Narrow"/>
+                <a:cs typeface="Arial Narrow"/>
+              </a:rPr>
+              <a:t>ip</a:t>
+            </a:r>
+            <a:r>
+              <a:rPr lang="es-MX" b="1" dirty="0">
+                <a:latin typeface="Arial Narrow"/>
+                <a:cs typeface="Arial Narrow"/>
+              </a:rPr>
+              <a:t> </a:t>
+            </a:r>
+            <a:r>
+              <a:rPr lang="es-MX" b="1" spc="-15" dirty="0" err="1">
+                <a:latin typeface="Arial Narrow"/>
+                <a:cs typeface="Arial Narrow"/>
+              </a:rPr>
+              <a:t>access</a:t>
+            </a:r>
+            <a:r>
+              <a:rPr lang="es-MX" b="1" spc="-11" dirty="0" err="1">
+                <a:latin typeface="Arial Narrow"/>
+                <a:cs typeface="Arial Narrow"/>
+              </a:rPr>
+              <a:t>-group</a:t>
+            </a:r>
+            <a:r>
+              <a:rPr lang="es-MX" b="1" dirty="0">
+                <a:latin typeface="Arial Narrow"/>
+                <a:cs typeface="Arial Narrow"/>
+              </a:rPr>
+              <a:t>	</a:t>
+            </a:r>
+            <a:r>
+              <a:rPr lang="es-MX" b="1" spc="-11" dirty="0" err="1">
+                <a:solidFill>
+                  <a:srgbClr val="3333CC"/>
+                </a:solidFill>
+                <a:latin typeface="Arial Narrow"/>
+                <a:cs typeface="Arial Narrow"/>
+              </a:rPr>
+              <a:t>número_lista</a:t>
+            </a:r>
+            <a:r>
+              <a:rPr lang="es-MX" b="1" spc="-4" dirty="0">
+                <a:solidFill>
+                  <a:srgbClr val="3333CC"/>
+                </a:solidFill>
+                <a:latin typeface="Arial Narrow"/>
+                <a:cs typeface="Arial Narrow"/>
+              </a:rPr>
+              <a:t> </a:t>
+            </a:r>
+            <a:r>
+              <a:rPr lang="es-MX" b="1" spc="-8" dirty="0">
+                <a:latin typeface="Arial Narrow"/>
+                <a:cs typeface="Arial Narrow"/>
+              </a:rPr>
+              <a:t>{in</a:t>
+            </a:r>
+            <a:r>
+              <a:rPr lang="es-MX" b="1" spc="-15" dirty="0">
+                <a:latin typeface="Arial Narrow"/>
+                <a:cs typeface="Arial Narrow"/>
+              </a:rPr>
+              <a:t> </a:t>
+            </a:r>
+            <a:r>
+              <a:rPr lang="es-MX" b="1" spc="-8" dirty="0">
+                <a:latin typeface="Arial Narrow"/>
+                <a:cs typeface="Arial Narrow"/>
+              </a:rPr>
+              <a:t>|</a:t>
+            </a:r>
+            <a:r>
+              <a:rPr lang="es-MX" b="1" spc="8" dirty="0">
+                <a:latin typeface="Arial Narrow"/>
+                <a:cs typeface="Arial Narrow"/>
+              </a:rPr>
+              <a:t> </a:t>
+            </a:r>
+            <a:r>
+              <a:rPr lang="es-MX" b="1" spc="-11" dirty="0" err="1">
+                <a:latin typeface="Arial Narrow"/>
+                <a:cs typeface="Arial Narrow"/>
+              </a:rPr>
+              <a:t>out</a:t>
+            </a:r>
+            <a:endParaRPr lang="es-MX" dirty="0"/>
+          </a:p>
+        </p:txBody>
+      </p:sp>
+      <p:sp>
+        <p:nvSpPr>
+          <p:cNvPr id="5" name="Rectángulo 4">
+            <a:extLst>
+              <a:ext uri="{FF2B5EF4-FFF2-40B4-BE49-F238E27FC236}">
+                <a16:creationId xmlns:a16="http://schemas.microsoft.com/office/drawing/2014/main" id="{E33013F4-035C-466B-B4FB-1BF3FA74A1CD}"/>
+              </a:ext>
+            </a:extLst>
+          </p:cNvPr>
+          <p:cNvSpPr/>
+          <p:nvPr/>
+        </p:nvSpPr>
+        <p:spPr>
+          <a:xfrm>
+            <a:off x="2606269" y="3244334"/>
+            <a:ext cx="3931461" cy="369332"/>
+          </a:xfrm>
+          <a:prstGeom prst="rect">
+            <a:avLst/>
+          </a:prstGeom>
+        </p:spPr>
+        <p:txBody>
+          <a:bodyPr wrap="none">
+            <a:spAutoFit/>
+          </a:bodyPr>
+          <a:lstStyle/>
+          <a:p>
+            <a:r>
+              <a:rPr lang="es-MX" b="1" spc="-11" dirty="0" err="1">
+                <a:latin typeface="Arial Narrow"/>
+                <a:cs typeface="Arial Narrow"/>
+              </a:rPr>
+              <a:t>ip</a:t>
+            </a:r>
+            <a:r>
+              <a:rPr lang="es-MX" b="1" dirty="0">
+                <a:latin typeface="Arial Narrow"/>
+                <a:cs typeface="Arial Narrow"/>
+              </a:rPr>
+              <a:t> </a:t>
+            </a:r>
+            <a:r>
+              <a:rPr lang="es-MX" b="1" spc="-15" dirty="0" err="1">
+                <a:latin typeface="Arial Narrow"/>
+                <a:cs typeface="Arial Narrow"/>
+              </a:rPr>
+              <a:t>access</a:t>
+            </a:r>
+            <a:r>
+              <a:rPr lang="es-MX" b="1" spc="-11" dirty="0" err="1">
+                <a:latin typeface="Arial Narrow"/>
+                <a:cs typeface="Arial Narrow"/>
+              </a:rPr>
+              <a:t>-group</a:t>
+            </a:r>
+            <a:r>
+              <a:rPr lang="es-MX" b="1" dirty="0">
+                <a:latin typeface="Arial Narrow"/>
+                <a:cs typeface="Arial Narrow"/>
+              </a:rPr>
+              <a:t>	</a:t>
+            </a:r>
+            <a:r>
+              <a:rPr lang="es-MX" b="1" spc="-11" dirty="0" err="1">
+                <a:solidFill>
+                  <a:srgbClr val="3333CC"/>
+                </a:solidFill>
+                <a:latin typeface="Arial Narrow"/>
+                <a:cs typeface="Arial Narrow"/>
+              </a:rPr>
+              <a:t>número_lista</a:t>
+            </a:r>
+            <a:r>
+              <a:rPr lang="es-MX" b="1" spc="-4" dirty="0">
+                <a:solidFill>
+                  <a:srgbClr val="3333CC"/>
+                </a:solidFill>
+                <a:latin typeface="Arial Narrow"/>
+                <a:cs typeface="Arial Narrow"/>
+              </a:rPr>
+              <a:t> </a:t>
+            </a:r>
+            <a:r>
+              <a:rPr lang="es-MX" b="1" spc="-8" dirty="0">
+                <a:latin typeface="Arial Narrow"/>
+                <a:cs typeface="Arial Narrow"/>
+              </a:rPr>
+              <a:t>{in</a:t>
+            </a:r>
+            <a:r>
+              <a:rPr lang="es-MX" b="1" spc="-15" dirty="0">
+                <a:latin typeface="Arial Narrow"/>
+                <a:cs typeface="Arial Narrow"/>
+              </a:rPr>
+              <a:t> </a:t>
+            </a:r>
+            <a:r>
+              <a:rPr lang="es-MX" b="1" spc="-8" dirty="0">
+                <a:latin typeface="Arial Narrow"/>
+                <a:cs typeface="Arial Narrow"/>
+              </a:rPr>
+              <a:t>|</a:t>
+            </a:r>
+            <a:r>
+              <a:rPr lang="es-MX" b="1" spc="8" dirty="0">
+                <a:latin typeface="Arial Narrow"/>
+                <a:cs typeface="Arial Narrow"/>
+              </a:rPr>
+              <a:t> </a:t>
+            </a:r>
+            <a:r>
+              <a:rPr lang="es-MX" b="1" spc="-11" dirty="0" err="1">
+                <a:latin typeface="Arial Narrow"/>
+                <a:cs typeface="Arial Narrow"/>
+              </a:rPr>
+              <a:t>out</a:t>
+            </a:r>
+            <a:endParaRPr lang="es-MX" dirty="0"/>
           </a:p>
         </p:txBody>
       </p:sp>
@@ -9707,7 +10317,7 @@
           <a:graphicData uri="http://schemas.openxmlformats.org/presentationml/2006/ole">
             <mc:AlternateContent xmlns:mc="http://schemas.openxmlformats.org/markup-compatibility/2006">
               <mc:Choice xmlns:v="urn:schemas-microsoft-com:vml" Requires="v">
-                <p:oleObj spid="_x0000_s1029" name="Bitmap Image" r:id="rId4" imgW="1819280" imgH="2552567" progId="PBrush">
+                <p:oleObj spid="_x0000_s1031" name="Bitmap Image" r:id="rId4" imgW="1819280" imgH="2552567" progId="PBrush">
                   <p:embed/>
                 </p:oleObj>
               </mc:Choice>

--- a/Calendario2021/Presentaciones/6_ACLs.pptx
+++ b/Calendario2021/Presentaciones/6_ACLs.pptx
@@ -222,7 +222,7 @@
           <a:p>
             <a:fld id="{2D445F07-8756-451B-A938-0248325FC7BB}" type="datetimeFigureOut">
               <a:rPr lang="es-MX" smtClean="0"/>
-              <a:t>12/04/2021</a:t>
+              <a:t>19/04/2021</a:t>
             </a:fld>
             <a:endParaRPr lang="es-MX" dirty="0"/>
           </a:p>
@@ -1619,7 +1619,7 @@
           <a:p>
             <a:fld id="{5E75A0DC-66C6-4CEC-A5EB-F8C97CEC3796}" type="datetimeFigureOut">
               <a:rPr lang="es-MX" smtClean="0"/>
-              <a:t>12/04/2021</a:t>
+              <a:t>19/04/2021</a:t>
             </a:fld>
             <a:endParaRPr lang="es-MX" dirty="0"/>
           </a:p>
@@ -1789,7 +1789,7 @@
           <a:p>
             <a:fld id="{5E75A0DC-66C6-4CEC-A5EB-F8C97CEC3796}" type="datetimeFigureOut">
               <a:rPr lang="es-MX" smtClean="0"/>
-              <a:t>12/04/2021</a:t>
+              <a:t>19/04/2021</a:t>
             </a:fld>
             <a:endParaRPr lang="es-MX" dirty="0"/>
           </a:p>
@@ -1969,7 +1969,7 @@
           <a:p>
             <a:fld id="{5E75A0DC-66C6-4CEC-A5EB-F8C97CEC3796}" type="datetimeFigureOut">
               <a:rPr lang="es-MX" smtClean="0"/>
-              <a:t>12/04/2021</a:t>
+              <a:t>19/04/2021</a:t>
             </a:fld>
             <a:endParaRPr lang="es-MX" dirty="0"/>
           </a:p>
@@ -2132,7 +2132,7 @@
           <a:p>
             <a:fld id="{1D8BD707-D9CF-40AE-B4C6-C98DA3205C09}" type="datetimeFigureOut">
               <a:rPr lang="en-US"/>
-              <a:t>4/12/2021</a:t>
+              <a:t>4/19/2021</a:t>
             </a:fld>
             <a:endParaRPr lang="en-US"/>
           </a:p>
@@ -2292,7 +2292,7 @@
           <a:p>
             <a:fld id="{5E75A0DC-66C6-4CEC-A5EB-F8C97CEC3796}" type="datetimeFigureOut">
               <a:rPr lang="es-MX" smtClean="0"/>
-              <a:t>12/04/2021</a:t>
+              <a:t>19/04/2021</a:t>
             </a:fld>
             <a:endParaRPr lang="es-MX" dirty="0"/>
           </a:p>
@@ -2538,7 +2538,7 @@
           <a:p>
             <a:fld id="{5E75A0DC-66C6-4CEC-A5EB-F8C97CEC3796}" type="datetimeFigureOut">
               <a:rPr lang="es-MX" smtClean="0"/>
-              <a:t>12/04/2021</a:t>
+              <a:t>19/04/2021</a:t>
             </a:fld>
             <a:endParaRPr lang="es-MX" dirty="0"/>
           </a:p>
@@ -2826,7 +2826,7 @@
           <a:p>
             <a:fld id="{5E75A0DC-66C6-4CEC-A5EB-F8C97CEC3796}" type="datetimeFigureOut">
               <a:rPr lang="es-MX" smtClean="0"/>
-              <a:t>12/04/2021</a:t>
+              <a:t>19/04/2021</a:t>
             </a:fld>
             <a:endParaRPr lang="es-MX" dirty="0"/>
           </a:p>
@@ -3248,7 +3248,7 @@
           <a:p>
             <a:fld id="{5E75A0DC-66C6-4CEC-A5EB-F8C97CEC3796}" type="datetimeFigureOut">
               <a:rPr lang="es-MX" smtClean="0"/>
-              <a:t>12/04/2021</a:t>
+              <a:t>19/04/2021</a:t>
             </a:fld>
             <a:endParaRPr lang="es-MX" dirty="0"/>
           </a:p>
@@ -3366,7 +3366,7 @@
           <a:p>
             <a:fld id="{5E75A0DC-66C6-4CEC-A5EB-F8C97CEC3796}" type="datetimeFigureOut">
               <a:rPr lang="es-MX" smtClean="0"/>
-              <a:t>12/04/2021</a:t>
+              <a:t>19/04/2021</a:t>
             </a:fld>
             <a:endParaRPr lang="es-MX" dirty="0"/>
           </a:p>
@@ -3461,7 +3461,7 @@
           <a:p>
             <a:fld id="{5E75A0DC-66C6-4CEC-A5EB-F8C97CEC3796}" type="datetimeFigureOut">
               <a:rPr lang="es-MX" smtClean="0"/>
-              <a:t>12/04/2021</a:t>
+              <a:t>19/04/2021</a:t>
             </a:fld>
             <a:endParaRPr lang="es-MX" dirty="0"/>
           </a:p>
@@ -3738,7 +3738,7 @@
           <a:p>
             <a:fld id="{5E75A0DC-66C6-4CEC-A5EB-F8C97CEC3796}" type="datetimeFigureOut">
               <a:rPr lang="es-MX" smtClean="0"/>
-              <a:t>12/04/2021</a:t>
+              <a:t>19/04/2021</a:t>
             </a:fld>
             <a:endParaRPr lang="es-MX" dirty="0"/>
           </a:p>
@@ -3991,7 +3991,7 @@
           <a:p>
             <a:fld id="{5E75A0DC-66C6-4CEC-A5EB-F8C97CEC3796}" type="datetimeFigureOut">
               <a:rPr lang="es-MX" smtClean="0"/>
-              <a:t>12/04/2021</a:t>
+              <a:t>19/04/2021</a:t>
             </a:fld>
             <a:endParaRPr lang="es-MX" dirty="0"/>
           </a:p>
@@ -4204,7 +4204,7 @@
           <a:p>
             <a:fld id="{5E75A0DC-66C6-4CEC-A5EB-F8C97CEC3796}" type="datetimeFigureOut">
               <a:rPr lang="es-MX" smtClean="0"/>
-              <a:t>12/04/2021</a:t>
+              <a:t>19/04/2021</a:t>
             </a:fld>
             <a:endParaRPr lang="es-MX" dirty="0"/>
           </a:p>
@@ -10028,248 +10028,6 @@
           </a:p>
         </p:txBody>
       </p:sp>
-      <p:sp>
-        <p:nvSpPr>
-          <p:cNvPr id="4" name="Rectángulo 3">
-            <a:extLst>
-              <a:ext uri="{FF2B5EF4-FFF2-40B4-BE49-F238E27FC236}">
-                <a16:creationId xmlns:a16="http://schemas.microsoft.com/office/drawing/2014/main" id="{54CED8F8-4EC1-4963-B4E6-846D049D1E30}"/>
-              </a:ext>
-            </a:extLst>
-          </p:cNvPr>
-          <p:cNvSpPr/>
-          <p:nvPr/>
-        </p:nvSpPr>
-        <p:spPr>
-          <a:xfrm>
-            <a:off x="2606269" y="3244334"/>
-            <a:ext cx="3931461" cy="369332"/>
-          </a:xfrm>
-          <a:prstGeom prst="rect">
-            <a:avLst/>
-          </a:prstGeom>
-        </p:spPr>
-        <p:txBody>
-          <a:bodyPr wrap="none">
-            <a:spAutoFit/>
-          </a:bodyPr>
-          <a:lstStyle/>
-          <a:p>
-            <a:r>
-              <a:rPr lang="es-MX" b="1" spc="-11" dirty="0" err="1">
-                <a:latin typeface="Arial Narrow"/>
-                <a:cs typeface="Arial Narrow"/>
-              </a:rPr>
-              <a:t>ip</a:t>
-            </a:r>
-            <a:r>
-              <a:rPr lang="es-MX" b="1" dirty="0">
-                <a:latin typeface="Arial Narrow"/>
-                <a:cs typeface="Arial Narrow"/>
-              </a:rPr>
-              <a:t> </a:t>
-            </a:r>
-            <a:r>
-              <a:rPr lang="es-MX" b="1" spc="-15" dirty="0" err="1">
-                <a:latin typeface="Arial Narrow"/>
-                <a:cs typeface="Arial Narrow"/>
-              </a:rPr>
-              <a:t>access</a:t>
-            </a:r>
-            <a:r>
-              <a:rPr lang="es-MX" b="1" spc="-11" dirty="0" err="1">
-                <a:latin typeface="Arial Narrow"/>
-                <a:cs typeface="Arial Narrow"/>
-              </a:rPr>
-              <a:t>-group</a:t>
-            </a:r>
-            <a:r>
-              <a:rPr lang="es-MX" b="1" dirty="0">
-                <a:latin typeface="Arial Narrow"/>
-                <a:cs typeface="Arial Narrow"/>
-              </a:rPr>
-              <a:t>	</a:t>
-            </a:r>
-            <a:r>
-              <a:rPr lang="es-MX" b="1" spc="-11" dirty="0" err="1">
-                <a:solidFill>
-                  <a:srgbClr val="3333CC"/>
-                </a:solidFill>
-                <a:latin typeface="Arial Narrow"/>
-                <a:cs typeface="Arial Narrow"/>
-              </a:rPr>
-              <a:t>número_lista</a:t>
-            </a:r>
-            <a:r>
-              <a:rPr lang="es-MX" b="1" spc="-4" dirty="0">
-                <a:solidFill>
-                  <a:srgbClr val="3333CC"/>
-                </a:solidFill>
-                <a:latin typeface="Arial Narrow"/>
-                <a:cs typeface="Arial Narrow"/>
-              </a:rPr>
-              <a:t> </a:t>
-            </a:r>
-            <a:r>
-              <a:rPr lang="es-MX" b="1" spc="-8" dirty="0">
-                <a:latin typeface="Arial Narrow"/>
-                <a:cs typeface="Arial Narrow"/>
-              </a:rPr>
-              <a:t>{in</a:t>
-            </a:r>
-            <a:r>
-              <a:rPr lang="es-MX" b="1" spc="-15" dirty="0">
-                <a:latin typeface="Arial Narrow"/>
-                <a:cs typeface="Arial Narrow"/>
-              </a:rPr>
-              <a:t> </a:t>
-            </a:r>
-            <a:r>
-              <a:rPr lang="es-MX" b="1" spc="-8" dirty="0">
-                <a:latin typeface="Arial Narrow"/>
-                <a:cs typeface="Arial Narrow"/>
-              </a:rPr>
-              <a:t>|</a:t>
-            </a:r>
-            <a:r>
-              <a:rPr lang="es-MX" b="1" spc="8" dirty="0">
-                <a:latin typeface="Arial Narrow"/>
-                <a:cs typeface="Arial Narrow"/>
-              </a:rPr>
-              <a:t> </a:t>
-            </a:r>
-            <a:r>
-              <a:rPr lang="es-MX" b="1" spc="-11" dirty="0" err="1">
-                <a:latin typeface="Arial Narrow"/>
-                <a:cs typeface="Arial Narrow"/>
-              </a:rPr>
-              <a:t>out</a:t>
-            </a:r>
-            <a:endParaRPr lang="es-MX" dirty="0"/>
-          </a:p>
-        </p:txBody>
-      </p:sp>
-      <p:sp>
-        <p:nvSpPr>
-          <p:cNvPr id="5" name="Rectángulo 4">
-            <a:extLst>
-              <a:ext uri="{FF2B5EF4-FFF2-40B4-BE49-F238E27FC236}">
-                <a16:creationId xmlns:a16="http://schemas.microsoft.com/office/drawing/2014/main" id="{E33013F4-035C-466B-B4FB-1BF3FA74A1CD}"/>
-              </a:ext>
-            </a:extLst>
-          </p:cNvPr>
-          <p:cNvSpPr/>
-          <p:nvPr/>
-        </p:nvSpPr>
-        <p:spPr>
-          <a:xfrm>
-            <a:off x="2606269" y="3244334"/>
-            <a:ext cx="3931461" cy="369332"/>
-          </a:xfrm>
-          <a:prstGeom prst="rect">
-            <a:avLst/>
-          </a:prstGeom>
-        </p:spPr>
-        <p:txBody>
-          <a:bodyPr wrap="none">
-            <a:spAutoFit/>
-          </a:bodyPr>
-          <a:lstStyle/>
-          <a:p>
-            <a:r>
-              <a:rPr lang="es-MX" b="1" spc="-11" dirty="0" err="1">
-                <a:latin typeface="Arial Narrow"/>
-                <a:cs typeface="Arial Narrow"/>
-              </a:rPr>
-              <a:t>ip</a:t>
-            </a:r>
-            <a:r>
-              <a:rPr lang="es-MX" b="1" dirty="0">
-                <a:latin typeface="Arial Narrow"/>
-                <a:cs typeface="Arial Narrow"/>
-              </a:rPr>
-              <a:t> </a:t>
-            </a:r>
-            <a:r>
-              <a:rPr lang="es-MX" b="1" spc="-15" dirty="0" err="1">
-                <a:latin typeface="Arial Narrow"/>
-                <a:cs typeface="Arial Narrow"/>
-              </a:rPr>
-              <a:t>access</a:t>
-            </a:r>
-            <a:r>
-              <a:rPr lang="es-MX" b="1" spc="-11" dirty="0" err="1">
-                <a:latin typeface="Arial Narrow"/>
-                <a:cs typeface="Arial Narrow"/>
-              </a:rPr>
-              <a:t>-group</a:t>
-            </a:r>
-            <a:r>
-              <a:rPr lang="es-MX" b="1" dirty="0">
-                <a:latin typeface="Arial Narrow"/>
-                <a:cs typeface="Arial Narrow"/>
-              </a:rPr>
-              <a:t>	</a:t>
-            </a:r>
-            <a:r>
-              <a:rPr lang="es-MX" b="1" spc="-11" dirty="0" err="1">
-                <a:solidFill>
-                  <a:srgbClr val="3333CC"/>
-                </a:solidFill>
-                <a:latin typeface="Arial Narrow"/>
-                <a:cs typeface="Arial Narrow"/>
-              </a:rPr>
-              <a:t>número_lista</a:t>
-            </a:r>
-            <a:r>
-              <a:rPr lang="es-MX" b="1" spc="-4" dirty="0">
-                <a:solidFill>
-                  <a:srgbClr val="3333CC"/>
-                </a:solidFill>
-                <a:latin typeface="Arial Narrow"/>
-                <a:cs typeface="Arial Narrow"/>
-              </a:rPr>
-              <a:t> </a:t>
-            </a:r>
-            <a:r>
-              <a:rPr lang="es-MX" b="1" spc="-8" dirty="0">
-                <a:latin typeface="Arial Narrow"/>
-                <a:cs typeface="Arial Narrow"/>
-              </a:rPr>
-              <a:t>{in</a:t>
-            </a:r>
-            <a:r>
-              <a:rPr lang="es-MX" b="1" spc="-15" dirty="0">
-                <a:latin typeface="Arial Narrow"/>
-                <a:cs typeface="Arial Narrow"/>
-              </a:rPr>
-              <a:t> </a:t>
-            </a:r>
-            <a:r>
-              <a:rPr lang="es-MX" b="1" spc="-8" dirty="0">
-                <a:latin typeface="Arial Narrow"/>
-                <a:cs typeface="Arial Narrow"/>
-              </a:rPr>
-              <a:t>|</a:t>
-            </a:r>
-            <a:r>
-              <a:rPr lang="es-MX" b="1" spc="8" dirty="0">
-                <a:latin typeface="Arial Narrow"/>
-                <a:cs typeface="Arial Narrow"/>
-              </a:rPr>
-              <a:t> </a:t>
-            </a:r>
-            <a:r>
-              <a:rPr lang="es-MX" b="1" spc="-11" dirty="0" err="1">
-                <a:latin typeface="Arial Narrow"/>
-                <a:cs typeface="Arial Narrow"/>
-              </a:rPr>
-              <a:t>out</a:t>
-            </a:r>
-            <a:endParaRPr lang="es-MX" dirty="0"/>
-          </a:p>
-        </p:txBody>
-      </p:sp>
     </p:spTree>
   </p:cSld>
   <p:clrMapOvr>
@@ -10317,7 +10075,7 @@
           <a:graphicData uri="http://schemas.openxmlformats.org/presentationml/2006/ole">
             <mc:AlternateContent xmlns:mc="http://schemas.openxmlformats.org/markup-compatibility/2006">
               <mc:Choice xmlns:v="urn:schemas-microsoft-com:vml" Requires="v">
-                <p:oleObj spid="_x0000_s1031" name="Bitmap Image" r:id="rId4" imgW="1819280" imgH="2552567" progId="PBrush">
+                <p:oleObj spid="_x0000_s1033" name="Bitmap Image" r:id="rId4" imgW="1819280" imgH="2552567" progId="PBrush">
                   <p:embed/>
                 </p:oleObj>
               </mc:Choice>

--- a/Calendario2021/Presentaciones/6_ACLs.pptx
+++ b/Calendario2021/Presentaciones/6_ACLs.pptx
@@ -5,7 +5,7 @@
     <p:sldMasterId id="2147483648" r:id="rId1"/>
   </p:sldMasterIdLst>
   <p:notesMasterIdLst>
-    <p:notesMasterId r:id="rId17"/>
+    <p:notesMasterId r:id="rId18"/>
   </p:notesMasterIdLst>
   <p:sldIdLst>
     <p:sldId id="257" r:id="rId2"/>
@@ -23,6 +23,7 @@
     <p:sldId id="268" r:id="rId14"/>
     <p:sldId id="324" r:id="rId15"/>
     <p:sldId id="269" r:id="rId16"/>
+    <p:sldId id="325" r:id="rId17"/>
   </p:sldIdLst>
   <p:sldSz cx="9144000" cy="6858000" type="screen4x3"/>
   <p:notesSz cx="6858000" cy="9144000"/>
@@ -222,7 +223,7 @@
           <a:p>
             <a:fld id="{2D445F07-8756-451B-A938-0248325FC7BB}" type="datetimeFigureOut">
               <a:rPr lang="es-MX" smtClean="0"/>
-              <a:t>19/04/2021</a:t>
+              <a:t>26/04/2021</a:t>
             </a:fld>
             <a:endParaRPr lang="es-MX" dirty="0"/>
           </a:p>
@@ -860,6 +861,57 @@
 </p:notes>
 </file>
 
+<file path=ppt/notesSlides/notesSlide16.xml><?xml version="1.0" encoding="utf-8"?>
+<p:notes xmlns:a="http://schemas.openxmlformats.org/drawingml/2006/main" xmlns:r="http://schemas.openxmlformats.org/officeDocument/2006/relationships" xmlns:p="http://schemas.openxmlformats.org/presentationml/2006/main">
+  <p:cSld>
+    <p:spTree>
+      <p:nvGrpSpPr>
+        <p:cNvPr id="1" name=""/>
+        <p:cNvGrpSpPr/>
+        <p:nvPr/>
+      </p:nvGrpSpPr>
+      <p:grpSpPr>
+        <a:xfrm>
+          <a:off x="0" y="0"/>
+          <a:ext cx="0" cy="0"/>
+          <a:chOff x="0" y="0"/>
+          <a:chExt cx="0" cy="0"/>
+        </a:xfrm>
+      </p:grpSpPr>
+      <p:sp>
+        <p:nvSpPr>
+          <p:cNvPr id="2" name="Notes Placeholder"/>
+          <p:cNvSpPr>
+            <a:spLocks noGrp="1"/>
+          </p:cNvSpPr>
+          <p:nvPr>
+            <p:ph type="body" idx="1"/>
+          </p:nvPr>
+        </p:nvSpPr>
+        <p:spPr/>
+        <p:txBody>
+          <a:bodyPr>
+            <a:normAutofit/>
+          </a:bodyPr>
+          <a:lstStyle/>
+          <a:p>
+            <a:endParaRPr dirty="0"/>
+          </a:p>
+        </p:txBody>
+      </p:sp>
+    </p:spTree>
+    <p:extLst>
+      <p:ext uri="{BB962C8B-B14F-4D97-AF65-F5344CB8AC3E}">
+        <p14:creationId xmlns:p14="http://schemas.microsoft.com/office/powerpoint/2010/main" val="915250393"/>
+      </p:ext>
+    </p:extLst>
+  </p:cSld>
+  <p:clrMapOvr>
+    <a:masterClrMapping/>
+  </p:clrMapOvr>
+</p:notes>
+</file>
+
 <file path=ppt/notesSlides/notesSlide2.xml><?xml version="1.0" encoding="utf-8"?>
 <p:notes xmlns:a="http://schemas.openxmlformats.org/drawingml/2006/main" xmlns:r="http://schemas.openxmlformats.org/officeDocument/2006/relationships" xmlns:p="http://schemas.openxmlformats.org/presentationml/2006/main">
   <p:cSld>
@@ -1619,7 +1671,7 @@
           <a:p>
             <a:fld id="{5E75A0DC-66C6-4CEC-A5EB-F8C97CEC3796}" type="datetimeFigureOut">
               <a:rPr lang="es-MX" smtClean="0"/>
-              <a:t>19/04/2021</a:t>
+              <a:t>26/04/2021</a:t>
             </a:fld>
             <a:endParaRPr lang="es-MX" dirty="0"/>
           </a:p>
@@ -1789,7 +1841,7 @@
           <a:p>
             <a:fld id="{5E75A0DC-66C6-4CEC-A5EB-F8C97CEC3796}" type="datetimeFigureOut">
               <a:rPr lang="es-MX" smtClean="0"/>
-              <a:t>19/04/2021</a:t>
+              <a:t>26/04/2021</a:t>
             </a:fld>
             <a:endParaRPr lang="es-MX" dirty="0"/>
           </a:p>
@@ -1969,7 +2021,7 @@
           <a:p>
             <a:fld id="{5E75A0DC-66C6-4CEC-A5EB-F8C97CEC3796}" type="datetimeFigureOut">
               <a:rPr lang="es-MX" smtClean="0"/>
-              <a:t>19/04/2021</a:t>
+              <a:t>26/04/2021</a:t>
             </a:fld>
             <a:endParaRPr lang="es-MX" dirty="0"/>
           </a:p>
@@ -2132,7 +2184,7 @@
           <a:p>
             <a:fld id="{1D8BD707-D9CF-40AE-B4C6-C98DA3205C09}" type="datetimeFigureOut">
               <a:rPr lang="en-US"/>
-              <a:t>4/19/2021</a:t>
+              <a:t>4/26/2021</a:t>
             </a:fld>
             <a:endParaRPr lang="en-US"/>
           </a:p>
@@ -2292,7 +2344,7 @@
           <a:p>
             <a:fld id="{5E75A0DC-66C6-4CEC-A5EB-F8C97CEC3796}" type="datetimeFigureOut">
               <a:rPr lang="es-MX" smtClean="0"/>
-              <a:t>19/04/2021</a:t>
+              <a:t>26/04/2021</a:t>
             </a:fld>
             <a:endParaRPr lang="es-MX" dirty="0"/>
           </a:p>
@@ -2538,7 +2590,7 @@
           <a:p>
             <a:fld id="{5E75A0DC-66C6-4CEC-A5EB-F8C97CEC3796}" type="datetimeFigureOut">
               <a:rPr lang="es-MX" smtClean="0"/>
-              <a:t>19/04/2021</a:t>
+              <a:t>26/04/2021</a:t>
             </a:fld>
             <a:endParaRPr lang="es-MX" dirty="0"/>
           </a:p>
@@ -2826,7 +2878,7 @@
           <a:p>
             <a:fld id="{5E75A0DC-66C6-4CEC-A5EB-F8C97CEC3796}" type="datetimeFigureOut">
               <a:rPr lang="es-MX" smtClean="0"/>
-              <a:t>19/04/2021</a:t>
+              <a:t>26/04/2021</a:t>
             </a:fld>
             <a:endParaRPr lang="es-MX" dirty="0"/>
           </a:p>
@@ -3248,7 +3300,7 @@
           <a:p>
             <a:fld id="{5E75A0DC-66C6-4CEC-A5EB-F8C97CEC3796}" type="datetimeFigureOut">
               <a:rPr lang="es-MX" smtClean="0"/>
-              <a:t>19/04/2021</a:t>
+              <a:t>26/04/2021</a:t>
             </a:fld>
             <a:endParaRPr lang="es-MX" dirty="0"/>
           </a:p>
@@ -3366,7 +3418,7 @@
           <a:p>
             <a:fld id="{5E75A0DC-66C6-4CEC-A5EB-F8C97CEC3796}" type="datetimeFigureOut">
               <a:rPr lang="es-MX" smtClean="0"/>
-              <a:t>19/04/2021</a:t>
+              <a:t>26/04/2021</a:t>
             </a:fld>
             <a:endParaRPr lang="es-MX" dirty="0"/>
           </a:p>
@@ -3461,7 +3513,7 @@
           <a:p>
             <a:fld id="{5E75A0DC-66C6-4CEC-A5EB-F8C97CEC3796}" type="datetimeFigureOut">
               <a:rPr lang="es-MX" smtClean="0"/>
-              <a:t>19/04/2021</a:t>
+              <a:t>26/04/2021</a:t>
             </a:fld>
             <a:endParaRPr lang="es-MX" dirty="0"/>
           </a:p>
@@ -3738,7 +3790,7 @@
           <a:p>
             <a:fld id="{5E75A0DC-66C6-4CEC-A5EB-F8C97CEC3796}" type="datetimeFigureOut">
               <a:rPr lang="es-MX" smtClean="0"/>
-              <a:t>19/04/2021</a:t>
+              <a:t>26/04/2021</a:t>
             </a:fld>
             <a:endParaRPr lang="es-MX" dirty="0"/>
           </a:p>
@@ -3991,7 +4043,7 @@
           <a:p>
             <a:fld id="{5E75A0DC-66C6-4CEC-A5EB-F8C97CEC3796}" type="datetimeFigureOut">
               <a:rPr lang="es-MX" smtClean="0"/>
-              <a:t>19/04/2021</a:t>
+              <a:t>26/04/2021</a:t>
             </a:fld>
             <a:endParaRPr lang="es-MX" dirty="0"/>
           </a:p>
@@ -4204,7 +4256,7 @@
           <a:p>
             <a:fld id="{5E75A0DC-66C6-4CEC-A5EB-F8C97CEC3796}" type="datetimeFigureOut">
               <a:rPr lang="es-MX" smtClean="0"/>
-              <a:t>19/04/2021</a:t>
+              <a:t>26/04/2021</a:t>
             </a:fld>
             <a:endParaRPr lang="es-MX" dirty="0"/>
           </a:p>
@@ -10036,6 +10088,322 @@
 </p:sld>
 </file>
 
+<file path=ppt/slides/slide16.xml><?xml version="1.0" encoding="utf-8"?>
+<p:sld xmlns:a="http://schemas.openxmlformats.org/drawingml/2006/main" xmlns:r="http://schemas.openxmlformats.org/officeDocument/2006/relationships" xmlns:p="http://schemas.openxmlformats.org/presentationml/2006/main">
+  <p:cSld>
+    <p:spTree>
+      <p:nvGrpSpPr>
+        <p:cNvPr id="1" name=""/>
+        <p:cNvGrpSpPr/>
+        <p:nvPr/>
+      </p:nvGrpSpPr>
+      <p:grpSpPr>
+        <a:xfrm>
+          <a:off x="0" y="0"/>
+          <a:ext cx="0" cy="0"/>
+          <a:chOff x="0" y="0"/>
+          <a:chExt cx="0" cy="0"/>
+        </a:xfrm>
+      </p:grpSpPr>
+      <p:sp>
+        <p:nvSpPr>
+          <p:cNvPr id="3" name="object 3"/>
+          <p:cNvSpPr txBox="1"/>
+          <p:nvPr/>
+        </p:nvSpPr>
+        <p:spPr>
+          <a:xfrm>
+            <a:off x="899592" y="1844824"/>
+            <a:ext cx="7704856" cy="4419800"/>
+          </a:xfrm>
+          <a:prstGeom prst="rect">
+            <a:avLst/>
+          </a:prstGeom>
+        </p:spPr>
+        <p:txBody>
+          <a:bodyPr vert="horz" wrap="square" lIns="0" tIns="0" rIns="0" bIns="0" rtlCol="0">
+            <a:spAutoFit/>
+          </a:bodyPr>
+          <a:lstStyle/>
+          <a:p>
+            <a:pPr marL="123825" marR="3810" algn="just">
+              <a:lnSpc>
+                <a:spcPct val="150000"/>
+              </a:lnSpc>
+            </a:pPr>
+            <a:r>
+              <a:rPr lang="es-ES" spc="-4" dirty="0">
+                <a:cs typeface="Arial Narrow"/>
+              </a:rPr>
+              <a:t>1. Identificar la fuente/origen (</a:t>
+            </a:r>
+            <a:r>
+              <a:rPr lang="es-ES" b="1" spc="-4" dirty="0">
+                <a:cs typeface="Arial Narrow"/>
+              </a:rPr>
+              <a:t>tráfico fuente</a:t>
+            </a:r>
+            <a:r>
+              <a:rPr lang="es-ES" spc="-4" dirty="0">
+                <a:cs typeface="Arial Narrow"/>
+              </a:rPr>
+              <a:t>) y el destino.</a:t>
+            </a:r>
+          </a:p>
+          <a:p>
+            <a:pPr marL="123825" marR="3810" algn="just">
+              <a:lnSpc>
+                <a:spcPct val="150000"/>
+              </a:lnSpc>
+            </a:pPr>
+            <a:r>
+              <a:rPr lang="es-ES" spc="-4" dirty="0">
+                <a:cs typeface="Arial Narrow"/>
+              </a:rPr>
+              <a:t>2. Trazar el </a:t>
+            </a:r>
+            <a:r>
+              <a:rPr lang="es-ES" b="1" spc="-4" dirty="0">
+                <a:cs typeface="Arial Narrow"/>
+              </a:rPr>
+              <a:t>trayecto</a:t>
+            </a:r>
+            <a:r>
+              <a:rPr lang="es-ES" spc="-4" dirty="0">
+                <a:cs typeface="Arial Narrow"/>
+              </a:rPr>
+              <a:t> del </a:t>
+            </a:r>
+            <a:r>
+              <a:rPr lang="es-ES" b="1" spc="-4" dirty="0">
+                <a:cs typeface="Arial Narrow"/>
+              </a:rPr>
+              <a:t>tráfico NO permitido</a:t>
+            </a:r>
+            <a:r>
+              <a:rPr lang="es-ES" spc="-4" dirty="0">
+                <a:cs typeface="Arial Narrow"/>
+              </a:rPr>
+              <a:t>. </a:t>
+            </a:r>
+          </a:p>
+          <a:p>
+            <a:pPr marL="123825" marR="3810" algn="just">
+              <a:lnSpc>
+                <a:spcPct val="150000"/>
+              </a:lnSpc>
+            </a:pPr>
+            <a:r>
+              <a:rPr lang="es-ES" spc="-4" dirty="0">
+                <a:cs typeface="Arial Narrow"/>
+              </a:rPr>
+              <a:t>3. Trazar el </a:t>
+            </a:r>
+            <a:r>
+              <a:rPr lang="es-ES" b="1" spc="-4" dirty="0">
+                <a:cs typeface="Arial Narrow"/>
+              </a:rPr>
+              <a:t>trayecto </a:t>
+            </a:r>
+            <a:r>
+              <a:rPr lang="es-ES" spc="-4" dirty="0">
+                <a:cs typeface="Arial Narrow"/>
+              </a:rPr>
+              <a:t>del </a:t>
+            </a:r>
+            <a:r>
+              <a:rPr lang="es-ES" b="1" spc="-4" dirty="0">
+                <a:cs typeface="Arial Narrow"/>
+              </a:rPr>
+              <a:t>tráfico permitido</a:t>
+            </a:r>
+            <a:r>
+              <a:rPr lang="es-ES" spc="-4" dirty="0">
+                <a:cs typeface="Arial Narrow"/>
+              </a:rPr>
+              <a:t>. </a:t>
+            </a:r>
+          </a:p>
+          <a:p>
+            <a:pPr marL="123825" marR="3810" algn="just">
+              <a:lnSpc>
+                <a:spcPct val="150000"/>
+              </a:lnSpc>
+            </a:pPr>
+            <a:r>
+              <a:rPr lang="es-ES" spc="-4" dirty="0">
+                <a:cs typeface="Arial Narrow"/>
+              </a:rPr>
+              <a:t>4. Identificar el </a:t>
+            </a:r>
+            <a:r>
+              <a:rPr lang="es-ES" b="1" spc="-4" dirty="0" err="1">
+                <a:cs typeface="Arial Narrow"/>
+              </a:rPr>
+              <a:t>router</a:t>
+            </a:r>
+            <a:r>
+              <a:rPr lang="es-ES" spc="-4" dirty="0">
+                <a:cs typeface="Arial Narrow"/>
+              </a:rPr>
+              <a:t> donde se instalará la lista de control de acceso.</a:t>
+            </a:r>
+          </a:p>
+          <a:p>
+            <a:pPr marL="123825" marR="3810" algn="just">
+              <a:lnSpc>
+                <a:spcPct val="150000"/>
+              </a:lnSpc>
+            </a:pPr>
+            <a:r>
+              <a:rPr lang="es-ES" spc="-4" dirty="0">
+                <a:cs typeface="Arial Narrow"/>
+              </a:rPr>
+              <a:t>5. Identificar la </a:t>
+            </a:r>
+            <a:r>
+              <a:rPr lang="es-ES" b="1" spc="-4" dirty="0">
+                <a:cs typeface="Arial Narrow"/>
+              </a:rPr>
+              <a:t>interfaz</a:t>
+            </a:r>
+            <a:r>
+              <a:rPr lang="es-ES" spc="-4" dirty="0">
+                <a:cs typeface="Arial Narrow"/>
+              </a:rPr>
+              <a:t> donde se va a asociar la lista de control de acceso.</a:t>
+            </a:r>
+          </a:p>
+          <a:p>
+            <a:pPr marL="123825" marR="3810" algn="just">
+              <a:lnSpc>
+                <a:spcPct val="150000"/>
+              </a:lnSpc>
+              <a:spcAft>
+                <a:spcPts val="1200"/>
+              </a:spcAft>
+            </a:pPr>
+            <a:r>
+              <a:rPr lang="es-ES" spc="-4" dirty="0">
+                <a:cs typeface="Arial Narrow"/>
+              </a:rPr>
+              <a:t>6. Escribir la ACL, instalarla y probarla.</a:t>
+            </a:r>
+          </a:p>
+          <a:p>
+            <a:pPr marL="123825" marR="3810" algn="just">
+              <a:lnSpc>
+                <a:spcPct val="150000"/>
+              </a:lnSpc>
+              <a:spcAft>
+                <a:spcPts val="1200"/>
+              </a:spcAft>
+            </a:pPr>
+            <a:r>
+              <a:rPr lang="es-ES" b="1" spc="-4" dirty="0">
+                <a:cs typeface="Arial Narrow"/>
+              </a:rPr>
+              <a:t>NOTA: </a:t>
+            </a:r>
+            <a:r>
+              <a:rPr lang="es-ES" spc="-4" dirty="0">
+                <a:cs typeface="Arial Narrow"/>
+              </a:rPr>
+              <a:t>Realizar pruebas de conectividad antes y después de instalar una ACL</a:t>
+            </a:r>
+          </a:p>
+          <a:p>
+            <a:pPr marL="123825" marR="3810" algn="just">
+              <a:lnSpc>
+                <a:spcPct val="150000"/>
+              </a:lnSpc>
+            </a:pPr>
+            <a:r>
+              <a:rPr lang="es-ES" b="1" spc="-4" dirty="0">
+                <a:solidFill>
+                  <a:schemeClr val="accent6">
+                    <a:lumMod val="75000"/>
+                  </a:schemeClr>
+                </a:solidFill>
+                <a:cs typeface="Arial Narrow"/>
+              </a:rPr>
+              <a:t>REGLA: LAS LISTAS DE CONTROL DE ACCESO EXTENDIDAS SE DEBEN INSTALAR LO MAS CERCA DEL ORIGEN, PARA EVITAR QUE EL TRÁFICO LLEGUE A LUGARES DONDE NO SE NECESITE LLEGAR.</a:t>
+            </a:r>
+          </a:p>
+        </p:txBody>
+      </p:sp>
+      <p:sp>
+        <p:nvSpPr>
+          <p:cNvPr id="8" name="object 2">
+            <a:extLst>
+              <a:ext uri="{FF2B5EF4-FFF2-40B4-BE49-F238E27FC236}">
+                <a16:creationId xmlns:a16="http://schemas.microsoft.com/office/drawing/2014/main" id="{257E321D-AB3B-4F6E-89EC-D5AD1090E97F}"/>
+              </a:ext>
+            </a:extLst>
+          </p:cNvPr>
+          <p:cNvSpPr txBox="1">
+            <a:spLocks/>
+          </p:cNvSpPr>
+          <p:nvPr/>
+        </p:nvSpPr>
+        <p:spPr>
+          <a:xfrm>
+            <a:off x="647564" y="404664"/>
+            <a:ext cx="7848872" cy="984885"/>
+          </a:xfrm>
+          <a:prstGeom prst="rect">
+            <a:avLst/>
+          </a:prstGeom>
+        </p:spPr>
+        <p:txBody>
+          <a:bodyPr vert="horz" wrap="square" lIns="0" tIns="0" rIns="0" bIns="0" rtlCol="0" anchor="ctr">
+            <a:spAutoFit/>
+          </a:bodyPr>
+          <a:lstStyle>
+            <a:lvl1pPr algn="ctr" defTabSz="914400" rtl="0" eaLnBrk="1" latinLnBrk="0" hangingPunct="1">
+              <a:spcBef>
+                <a:spcPct val="0"/>
+              </a:spcBef>
+              <a:buNone/>
+              <a:defRPr sz="2700" b="1" i="0" kern="1200">
+                <a:solidFill>
+                  <a:schemeClr val="bg1"/>
+                </a:solidFill>
+                <a:latin typeface="Arial Narrow"/>
+                <a:ea typeface="+mj-ea"/>
+                <a:cs typeface="Arial Narrow"/>
+              </a:defRPr>
+            </a:lvl1pPr>
+          </a:lstStyle>
+          <a:p>
+            <a:pPr marL="92075"/>
+            <a:r>
+              <a:rPr lang="es-MX" sz="3200" spc="-15" dirty="0">
+                <a:solidFill>
+                  <a:schemeClr val="accent4">
+                    <a:lumMod val="50000"/>
+                  </a:schemeClr>
+                </a:solidFill>
+                <a:latin typeface="Dom Casual"/>
+              </a:rPr>
+              <a:t>Mejores prácticas para el diseño de listas de control de acceso “Extendidas”</a:t>
+            </a:r>
+          </a:p>
+        </p:txBody>
+      </p:sp>
+    </p:spTree>
+    <p:extLst>
+      <p:ext uri="{BB962C8B-B14F-4D97-AF65-F5344CB8AC3E}">
+        <p14:creationId xmlns:p14="http://schemas.microsoft.com/office/powerpoint/2010/main" val="4957635"/>
+      </p:ext>
+    </p:extLst>
+  </p:cSld>
+  <p:clrMapOvr>
+    <a:masterClrMapping/>
+  </p:clrMapOvr>
+</p:sld>
+</file>
+
 <file path=ppt/slides/slide2.xml><?xml version="1.0" encoding="utf-8"?>
 <p:sld xmlns:a="http://schemas.openxmlformats.org/drawingml/2006/main" xmlns:r="http://schemas.openxmlformats.org/officeDocument/2006/relationships" xmlns:p="http://schemas.openxmlformats.org/presentationml/2006/main">
   <p:cSld>
@@ -10075,7 +10443,7 @@
           <a:graphicData uri="http://schemas.openxmlformats.org/presentationml/2006/ole">
             <mc:AlternateContent xmlns:mc="http://schemas.openxmlformats.org/markup-compatibility/2006">
               <mc:Choice xmlns:v="urn:schemas-microsoft-com:vml" Requires="v">
-                <p:oleObj spid="_x0000_s1033" name="Bitmap Image" r:id="rId4" imgW="1819280" imgH="2552567" progId="PBrush">
+                <p:oleObj spid="_x0000_s1036" name="Bitmap Image" r:id="rId4" imgW="1819280" imgH="2552567" progId="PBrush">
                   <p:embed/>
                 </p:oleObj>
               </mc:Choice>
